--- a/9 - Graph/Graph Traversal.pptx
+++ b/9 - Graph/Graph Traversal.pptx
@@ -2,23 +2,23 @@
 <file path=ppt/presentation.xml><?xml version="1.0" encoding="utf-8"?>
 <p:presentation xmlns:a="http://schemas.openxmlformats.org/drawingml/2006/main" xmlns:r="http://schemas.openxmlformats.org/officeDocument/2006/relationships" xmlns:p="http://schemas.openxmlformats.org/presentationml/2006/main" saveSubsetFonts="1">
   <p:sldMasterIdLst>
-    <p:sldMasterId id="2147483648" r:id="rId1"/>
+    <p:sldMasterId id="2147483648" r:id="rId4"/>
   </p:sldMasterIdLst>
   <p:notesMasterIdLst>
-    <p:notesMasterId r:id="rId13"/>
+    <p:notesMasterId r:id="rId16"/>
   </p:notesMasterIdLst>
   <p:sldIdLst>
-    <p:sldId id="257" r:id="rId2"/>
-    <p:sldId id="298" r:id="rId3"/>
-    <p:sldId id="355" r:id="rId4"/>
-    <p:sldId id="356" r:id="rId5"/>
-    <p:sldId id="349" r:id="rId6"/>
-    <p:sldId id="336" r:id="rId7"/>
-    <p:sldId id="350" r:id="rId8"/>
-    <p:sldId id="351" r:id="rId9"/>
-    <p:sldId id="352" r:id="rId10"/>
-    <p:sldId id="353" r:id="rId11"/>
-    <p:sldId id="354" r:id="rId12"/>
+    <p:sldId id="257" r:id="rId5"/>
+    <p:sldId id="298" r:id="rId6"/>
+    <p:sldId id="355" r:id="rId7"/>
+    <p:sldId id="356" r:id="rId8"/>
+    <p:sldId id="349" r:id="rId9"/>
+    <p:sldId id="336" r:id="rId10"/>
+    <p:sldId id="350" r:id="rId11"/>
+    <p:sldId id="351" r:id="rId12"/>
+    <p:sldId id="352" r:id="rId13"/>
+    <p:sldId id="353" r:id="rId14"/>
+    <p:sldId id="354" r:id="rId15"/>
   </p:sldIdLst>
   <p:sldSz cx="12192000" cy="6858000"/>
   <p:notesSz cx="6858000" cy="9144000"/>
@@ -215,7 +215,7 @@
           <a:p>
             <a:fld id="{F666E1FD-E7A0-497B-BBC0-740BAAC97C64}" type="datetimeFigureOut">
               <a:rPr lang="en-PH" smtClean="0"/>
-              <a:t>21/10/2022</a:t>
+              <a:t>16/10/2023</a:t>
             </a:fld>
             <a:endParaRPr lang="en-PH"/>
           </a:p>
@@ -1556,7 +1556,7 @@
           <a:p>
             <a:fld id="{0CCF0B81-6BD8-4C65-9459-815598C5F1F4}" type="datetimeFigureOut">
               <a:rPr lang="en-PH" smtClean="0"/>
-              <a:t>21/10/2022</a:t>
+              <a:t>16/10/2023</a:t>
             </a:fld>
             <a:endParaRPr lang="en-PH"/>
           </a:p>
@@ -1756,7 +1756,7 @@
           <a:p>
             <a:fld id="{0CCF0B81-6BD8-4C65-9459-815598C5F1F4}" type="datetimeFigureOut">
               <a:rPr lang="en-PH" smtClean="0"/>
-              <a:t>21/10/2022</a:t>
+              <a:t>16/10/2023</a:t>
             </a:fld>
             <a:endParaRPr lang="en-PH"/>
           </a:p>
@@ -1966,7 +1966,7 @@
           <a:p>
             <a:fld id="{0CCF0B81-6BD8-4C65-9459-815598C5F1F4}" type="datetimeFigureOut">
               <a:rPr lang="en-PH" smtClean="0"/>
-              <a:t>21/10/2022</a:t>
+              <a:t>16/10/2023</a:t>
             </a:fld>
             <a:endParaRPr lang="en-PH"/>
           </a:p>
@@ -2166,7 +2166,7 @@
           <a:p>
             <a:fld id="{0CCF0B81-6BD8-4C65-9459-815598C5F1F4}" type="datetimeFigureOut">
               <a:rPr lang="en-PH" smtClean="0"/>
-              <a:t>21/10/2022</a:t>
+              <a:t>16/10/2023</a:t>
             </a:fld>
             <a:endParaRPr lang="en-PH"/>
           </a:p>
@@ -2442,7 +2442,7 @@
           <a:p>
             <a:fld id="{0CCF0B81-6BD8-4C65-9459-815598C5F1F4}" type="datetimeFigureOut">
               <a:rPr lang="en-PH" smtClean="0"/>
-              <a:t>21/10/2022</a:t>
+              <a:t>16/10/2023</a:t>
             </a:fld>
             <a:endParaRPr lang="en-PH"/>
           </a:p>
@@ -2710,7 +2710,7 @@
           <a:p>
             <a:fld id="{0CCF0B81-6BD8-4C65-9459-815598C5F1F4}" type="datetimeFigureOut">
               <a:rPr lang="en-PH" smtClean="0"/>
-              <a:t>21/10/2022</a:t>
+              <a:t>16/10/2023</a:t>
             </a:fld>
             <a:endParaRPr lang="en-PH"/>
           </a:p>
@@ -3125,7 +3125,7 @@
           <a:p>
             <a:fld id="{0CCF0B81-6BD8-4C65-9459-815598C5F1F4}" type="datetimeFigureOut">
               <a:rPr lang="en-PH" smtClean="0"/>
-              <a:t>21/10/2022</a:t>
+              <a:t>16/10/2023</a:t>
             </a:fld>
             <a:endParaRPr lang="en-PH"/>
           </a:p>
@@ -3267,7 +3267,7 @@
           <a:p>
             <a:fld id="{0CCF0B81-6BD8-4C65-9459-815598C5F1F4}" type="datetimeFigureOut">
               <a:rPr lang="en-PH" smtClean="0"/>
-              <a:t>21/10/2022</a:t>
+              <a:t>16/10/2023</a:t>
             </a:fld>
             <a:endParaRPr lang="en-PH"/>
           </a:p>
@@ -3380,7 +3380,7 @@
           <a:p>
             <a:fld id="{0CCF0B81-6BD8-4C65-9459-815598C5F1F4}" type="datetimeFigureOut">
               <a:rPr lang="en-PH" smtClean="0"/>
-              <a:t>21/10/2022</a:t>
+              <a:t>16/10/2023</a:t>
             </a:fld>
             <a:endParaRPr lang="en-PH"/>
           </a:p>
@@ -3693,7 +3693,7 @@
           <a:p>
             <a:fld id="{0CCF0B81-6BD8-4C65-9459-815598C5F1F4}" type="datetimeFigureOut">
               <a:rPr lang="en-PH" smtClean="0"/>
-              <a:t>21/10/2022</a:t>
+              <a:t>16/10/2023</a:t>
             </a:fld>
             <a:endParaRPr lang="en-PH"/>
           </a:p>
@@ -3982,7 +3982,7 @@
           <a:p>
             <a:fld id="{0CCF0B81-6BD8-4C65-9459-815598C5F1F4}" type="datetimeFigureOut">
               <a:rPr lang="en-PH" smtClean="0"/>
-              <a:t>21/10/2022</a:t>
+              <a:t>16/10/2023</a:t>
             </a:fld>
             <a:endParaRPr lang="en-PH"/>
           </a:p>
@@ -4225,7 +4225,7 @@
           <a:p>
             <a:fld id="{0CCF0B81-6BD8-4C65-9459-815598C5F1F4}" type="datetimeFigureOut">
               <a:rPr lang="en-PH" smtClean="0"/>
-              <a:t>21/10/2022</a:t>
+              <a:t>16/10/2023</a:t>
             </a:fld>
             <a:endParaRPr lang="en-PH"/>
           </a:p>
@@ -4705,33 +4705,53 @@
         </p:nvSpPr>
         <p:spPr/>
         <p:txBody>
-          <a:bodyPr/>
-          <a:lstStyle/>
-          <a:p>
-            <a:pPr algn="l"/>
-            <a:endParaRPr lang="en-PH" sz="2000" dirty="0"/>
-          </a:p>
+          <a:bodyPr>
+            <a:normAutofit lnSpcReduction="10000"/>
+          </a:bodyPr>
+          <a:lstStyle/>
           <a:p>
             <a:pPr algn="l"/>
             <a:r>
-              <a:rPr lang="en-PH" sz="2000" dirty="0"/>
+              <a:rPr lang="en-PH" sz="2400" b="1" dirty="0"/>
               <a:t>Presented by:</a:t>
             </a:r>
           </a:p>
           <a:p>
             <a:pPr algn="l"/>
             <a:r>
-              <a:rPr lang="en-PH" sz="2000" dirty="0" err="1"/>
+              <a:rPr lang="en-PH" sz="2400" dirty="0" err="1"/>
               <a:t>Elizer</a:t>
             </a:r>
             <a:r>
-              <a:rPr lang="en-PH" sz="2000" dirty="0"/>
-              <a:t> Ponio Jr</a:t>
+              <a:rPr lang="en-PH" sz="2400" dirty="0"/>
+              <a:t> </a:t>
             </a:r>
             <a:r>
-              <a:rPr lang="en-PH" dirty="0"/>
-              <a:t>.</a:t>
+              <a:rPr lang="en-PH" sz="2400" dirty="0" err="1"/>
+              <a:t>Ponio</a:t>
             </a:r>
+            <a:r>
+              <a:rPr lang="en-PH" sz="2400" dirty="0"/>
+              <a:t> Jr.</a:t>
+            </a:r>
+          </a:p>
+          <a:p>
+            <a:pPr algn="l"/>
+            <a:r>
+              <a:rPr lang="en-PH" sz="2400" dirty="0"/>
+              <a:t>Department of Computer Science</a:t>
+            </a:r>
+          </a:p>
+          <a:p>
+            <a:pPr algn="l"/>
+            <a:r>
+              <a:rPr lang="en-PH" sz="2400"/>
+              <a:t>College of Computing and Information Technologies</a:t>
+            </a:r>
+          </a:p>
+          <a:p>
+            <a:pPr algn="l"/>
+            <a:endParaRPr lang="en-PH" dirty="0"/>
           </a:p>
         </p:txBody>
       </p:sp>
@@ -4775,7 +4795,7 @@
                   <a:schemeClr val="tx1"/>
                 </a:solidFill>
               </a:rPr>
-              <a:t>CCDATRCL-INF214</a:t>
+              <a:t>CCDATRCL</a:t>
             </a:r>
           </a:p>
         </p:txBody>
@@ -4901,7 +4921,7 @@
                   <a:schemeClr val="tx1"/>
                 </a:solidFill>
               </a:rPr>
-              <a:t>CCDATRCL-INF214</a:t>
+              <a:t>CCDATRCL</a:t>
             </a:r>
           </a:p>
         </p:txBody>
@@ -8159,7 +8179,7 @@
                   <a:schemeClr val="tx1"/>
                 </a:solidFill>
               </a:rPr>
-              <a:t>CCDATRCL-INF214</a:t>
+              <a:t>CCDATRCL</a:t>
             </a:r>
           </a:p>
         </p:txBody>
@@ -12292,7 +12312,7 @@
                   <a:schemeClr val="tx1"/>
                 </a:solidFill>
               </a:rPr>
-              <a:t>CCDATRCL-INF214</a:t>
+              <a:t>CCDATRCL</a:t>
             </a:r>
           </a:p>
         </p:txBody>
@@ -12526,7 +12546,7 @@
                   <a:schemeClr val="tx1"/>
                 </a:solidFill>
               </a:rPr>
-              <a:t>CCDATRCL-INF214</a:t>
+              <a:t>CCDATRCL</a:t>
             </a:r>
           </a:p>
         </p:txBody>
@@ -12781,7 +12801,7 @@
                   <a:schemeClr val="tx1"/>
                 </a:solidFill>
               </a:rPr>
-              <a:t>CCDATRCL-INF214</a:t>
+              <a:t>CCDATRCL</a:t>
             </a:r>
           </a:p>
         </p:txBody>
@@ -13043,7 +13063,7 @@
                   <a:schemeClr val="tx1"/>
                 </a:solidFill>
               </a:rPr>
-              <a:t>CCDATRCL-INF214</a:t>
+              <a:t>CCDATRCL</a:t>
             </a:r>
           </a:p>
         </p:txBody>
@@ -13278,7 +13298,7 @@
                   <a:schemeClr val="tx1"/>
                 </a:solidFill>
               </a:rPr>
-              <a:t>CCDATRCL-INF214</a:t>
+              <a:t>CCDATRCL</a:t>
             </a:r>
           </a:p>
         </p:txBody>
@@ -15386,7 +15406,7 @@
                   <a:schemeClr val="tx1"/>
                 </a:solidFill>
               </a:rPr>
-              <a:t>CCDATRCL-INF214</a:t>
+              <a:t>CCDATRCL</a:t>
             </a:r>
           </a:p>
         </p:txBody>
@@ -17791,7 +17811,7 @@
                   <a:schemeClr val="tx1"/>
                 </a:solidFill>
               </a:rPr>
-              <a:t>CCDATRCL-INF214</a:t>
+              <a:t>CCDATRCL</a:t>
             </a:r>
           </a:p>
         </p:txBody>
@@ -19989,7 +20009,7 @@
                   <a:schemeClr val="tx1"/>
                 </a:solidFill>
               </a:rPr>
-              <a:t>CCDATRCL-INF214</a:t>
+              <a:t>CCDATRCL</a:t>
             </a:r>
           </a:p>
         </p:txBody>
@@ -23177,13 +23197,36 @@
 </file>
 
 <file path=customXml/itemProps1.xml><?xml version="1.0" encoding="utf-8"?>
-<ds:datastoreItem xmlns:ds="http://schemas.openxmlformats.org/officeDocument/2006/customXml" ds:itemID="{71A1CB29-DD5D-4EF5-83F1-7DD60E77D76A}"/>
+<ds:datastoreItem xmlns:ds="http://schemas.openxmlformats.org/officeDocument/2006/customXml" ds:itemID="{71A1CB29-DD5D-4EF5-83F1-7DD60E77D76A}">
+  <ds:schemaRefs>
+    <ds:schemaRef ds:uri="http://schemas.microsoft.com/office/2006/metadata/contentType"/>
+    <ds:schemaRef ds:uri="http://schemas.microsoft.com/office/2006/metadata/properties/metaAttributes"/>
+    <ds:schemaRef ds:uri="http://www.w3.org/2001/XMLSchema"/>
+    <ds:schemaRef ds:uri="http://schemas.microsoft.com/office/2006/metadata/properties"/>
+    <ds:schemaRef ds:uri="ba111d12-426d-4af0-bcb6-460e36974645"/>
+    <ds:schemaRef ds:uri="http://schemas.microsoft.com/office/2006/documentManagement/types"/>
+    <ds:schemaRef ds:uri="http://schemas.microsoft.com/office/infopath/2007/PartnerControls"/>
+    <ds:schemaRef ds:uri="http://schemas.openxmlformats.org/package/2006/metadata/core-properties"/>
+    <ds:schemaRef ds:uri="http://purl.org/dc/elements/1.1/"/>
+    <ds:schemaRef ds:uri="http://purl.org/dc/terms/"/>
+    <ds:schemaRef ds:uri="http://schemas.microsoft.com/internal/obd"/>
+  </ds:schemaRefs>
+</ds:datastoreItem>
 </file>
 
 <file path=customXml/itemProps2.xml><?xml version="1.0" encoding="utf-8"?>
-<ds:datastoreItem xmlns:ds="http://schemas.openxmlformats.org/officeDocument/2006/customXml" ds:itemID="{CEC43B35-0ED9-4049-9140-3D0CD32DDD39}"/>
+<ds:datastoreItem xmlns:ds="http://schemas.openxmlformats.org/officeDocument/2006/customXml" ds:itemID="{CEC43B35-0ED9-4049-9140-3D0CD32DDD39}">
+  <ds:schemaRefs>
+    <ds:schemaRef ds:uri="http://schemas.microsoft.com/sharepoint/v3/contenttype/forms"/>
+  </ds:schemaRefs>
+</ds:datastoreItem>
 </file>
 
 <file path=customXml/itemProps3.xml><?xml version="1.0" encoding="utf-8"?>
-<ds:datastoreItem xmlns:ds="http://schemas.openxmlformats.org/officeDocument/2006/customXml" ds:itemID="{D8DE4E70-25B1-4F7D-9B72-79F62005F317}"/>
+<ds:datastoreItem xmlns:ds="http://schemas.openxmlformats.org/officeDocument/2006/customXml" ds:itemID="{D8DE4E70-25B1-4F7D-9B72-79F62005F317}">
+  <ds:schemaRefs>
+    <ds:schemaRef ds:uri="http://schemas.microsoft.com/office/2006/metadata/properties"/>
+    <ds:schemaRef ds:uri="http://schemas.microsoft.com/office/infopath/2007/PartnerControls"/>
+  </ds:schemaRefs>
+</ds:datastoreItem>
 </file>